--- a/Coursework Presentation.pptx
+++ b/Coursework Presentation.pptx
@@ -244,7 +244,7 @@
           </a:lstStyle>
           <a:p>
             <a:r>
-              <a:rPr lang="en-US" smtClean="0"/>
+              <a:rPr lang="en-US"/>
               <a:t>Click to edit Master title style</a:t>
             </a:r>
             <a:endParaRPr lang="en-US" dirty="0"/>
@@ -318,7 +318,7 @@
           </a:lstStyle>
           <a:p>
             <a:r>
-              <a:rPr lang="en-US" smtClean="0"/>
+              <a:rPr lang="en-US"/>
               <a:t>Click to edit Master subtitle style</a:t>
             </a:r>
             <a:endParaRPr lang="en-US" dirty="0"/>
@@ -343,7 +343,7 @@
             <a:fld id="{5586B75A-687E-405C-8A0B-8D00578BA2C3}" type="datetimeFigureOut">
               <a:rPr lang="en-US" dirty="0"/>
               <a:pPr/>
-              <a:t>12/4/16</a:t>
+              <a:t>12/5/2016</a:t>
             </a:fld>
             <a:endParaRPr lang="en-US" dirty="0"/>
           </a:p>
@@ -433,7 +433,7 @@
           <a:lstStyle/>
           <a:p>
             <a:r>
-              <a:rPr lang="en-US" smtClean="0"/>
+              <a:rPr lang="en-US"/>
               <a:t>Click to edit Master title style</a:t>
             </a:r>
             <a:endParaRPr lang="en-US" dirty="0"/>
@@ -457,35 +457,35 @@
           <a:p>
             <a:pPr lvl="0"/>
             <a:r>
-              <a:rPr lang="en-US" smtClean="0"/>
+              <a:rPr lang="en-US"/>
               <a:t>Click to edit Master text styles</a:t>
             </a:r>
           </a:p>
           <a:p>
             <a:pPr lvl="1"/>
             <a:r>
-              <a:rPr lang="en-US" smtClean="0"/>
+              <a:rPr lang="en-US"/>
               <a:t>Second level</a:t>
             </a:r>
           </a:p>
           <a:p>
             <a:pPr lvl="2"/>
             <a:r>
-              <a:rPr lang="en-US" smtClean="0"/>
+              <a:rPr lang="en-US"/>
               <a:t>Third level</a:t>
             </a:r>
           </a:p>
           <a:p>
             <a:pPr lvl="3"/>
             <a:r>
-              <a:rPr lang="en-US" smtClean="0"/>
+              <a:rPr lang="en-US"/>
               <a:t>Fourth level</a:t>
             </a:r>
           </a:p>
           <a:p>
             <a:pPr lvl="4"/>
             <a:r>
-              <a:rPr lang="en-US" smtClean="0"/>
+              <a:rPr lang="en-US"/>
               <a:t>Fifth level</a:t>
             </a:r>
             <a:endParaRPr lang="en-US" dirty="0"/>
@@ -510,7 +510,7 @@
             <a:fld id="{5586B75A-687E-405C-8A0B-8D00578BA2C3}" type="datetimeFigureOut">
               <a:rPr lang="en-US" dirty="0"/>
               <a:pPr/>
-              <a:t>12/4/16</a:t>
+              <a:t>12/5/2016</a:t>
             </a:fld>
             <a:endParaRPr lang="en-US" dirty="0"/>
           </a:p>
@@ -605,7 +605,7 @@
           <a:lstStyle/>
           <a:p>
             <a:r>
-              <a:rPr lang="en-US" smtClean="0"/>
+              <a:rPr lang="en-US"/>
               <a:t>Click to edit Master title style</a:t>
             </a:r>
             <a:endParaRPr lang="en-US" dirty="0"/>
@@ -634,35 +634,35 @@
           <a:p>
             <a:pPr lvl="0"/>
             <a:r>
-              <a:rPr lang="en-US" smtClean="0"/>
+              <a:rPr lang="en-US"/>
               <a:t>Click to edit Master text styles</a:t>
             </a:r>
           </a:p>
           <a:p>
             <a:pPr lvl="1"/>
             <a:r>
-              <a:rPr lang="en-US" smtClean="0"/>
+              <a:rPr lang="en-US"/>
               <a:t>Second level</a:t>
             </a:r>
           </a:p>
           <a:p>
             <a:pPr lvl="2"/>
             <a:r>
-              <a:rPr lang="en-US" smtClean="0"/>
+              <a:rPr lang="en-US"/>
               <a:t>Third level</a:t>
             </a:r>
           </a:p>
           <a:p>
             <a:pPr lvl="3"/>
             <a:r>
-              <a:rPr lang="en-US" smtClean="0"/>
+              <a:rPr lang="en-US"/>
               <a:t>Fourth level</a:t>
             </a:r>
           </a:p>
           <a:p>
             <a:pPr lvl="4"/>
             <a:r>
-              <a:rPr lang="en-US" smtClean="0"/>
+              <a:rPr lang="en-US"/>
               <a:t>Fifth level</a:t>
             </a:r>
             <a:endParaRPr lang="en-US" dirty="0"/>
@@ -687,7 +687,7 @@
             <a:fld id="{5586B75A-687E-405C-8A0B-8D00578BA2C3}" type="datetimeFigureOut">
               <a:rPr lang="en-US" dirty="0"/>
               <a:pPr/>
-              <a:t>12/4/16</a:t>
+              <a:t>12/5/2016</a:t>
             </a:fld>
             <a:endParaRPr lang="en-US" dirty="0"/>
           </a:p>
@@ -777,7 +777,7 @@
           <a:lstStyle/>
           <a:p>
             <a:r>
-              <a:rPr lang="en-US" smtClean="0"/>
+              <a:rPr lang="en-US"/>
               <a:t>Click to edit Master title style</a:t>
             </a:r>
             <a:endParaRPr lang="en-US" dirty="0"/>
@@ -801,35 +801,35 @@
           <a:p>
             <a:pPr lvl="0"/>
             <a:r>
-              <a:rPr lang="en-US" smtClean="0"/>
+              <a:rPr lang="en-US"/>
               <a:t>Click to edit Master text styles</a:t>
             </a:r>
           </a:p>
           <a:p>
             <a:pPr lvl="1"/>
             <a:r>
-              <a:rPr lang="en-US" smtClean="0"/>
+              <a:rPr lang="en-US"/>
               <a:t>Second level</a:t>
             </a:r>
           </a:p>
           <a:p>
             <a:pPr lvl="2"/>
             <a:r>
-              <a:rPr lang="en-US" smtClean="0"/>
+              <a:rPr lang="en-US"/>
               <a:t>Third level</a:t>
             </a:r>
           </a:p>
           <a:p>
             <a:pPr lvl="3"/>
             <a:r>
-              <a:rPr lang="en-US" smtClean="0"/>
+              <a:rPr lang="en-US"/>
               <a:t>Fourth level</a:t>
             </a:r>
           </a:p>
           <a:p>
             <a:pPr lvl="4"/>
             <a:r>
-              <a:rPr lang="en-US" smtClean="0"/>
+              <a:rPr lang="en-US"/>
               <a:t>Fifth level</a:t>
             </a:r>
             <a:endParaRPr lang="en-US" dirty="0"/>
@@ -854,7 +854,7 @@
             <a:fld id="{5586B75A-687E-405C-8A0B-8D00578BA2C3}" type="datetimeFigureOut">
               <a:rPr lang="en-US" dirty="0"/>
               <a:pPr/>
-              <a:t>12/4/16</a:t>
+              <a:t>12/5/2016</a:t>
             </a:fld>
             <a:endParaRPr lang="en-US" dirty="0"/>
           </a:p>
@@ -962,7 +962,7 @@
           </a:lstStyle>
           <a:p>
             <a:r>
-              <a:rPr lang="en-US" smtClean="0"/>
+              <a:rPr lang="en-US"/>
               <a:t>Click to edit Master title style</a:t>
             </a:r>
             <a:endParaRPr lang="en-US" dirty="0"/>
@@ -1085,7 +1085,7 @@
           <a:p>
             <a:pPr lvl="0"/>
             <a:r>
-              <a:rPr lang="en-US" smtClean="0"/>
+              <a:rPr lang="en-US"/>
               <a:t>Click to edit Master text styles</a:t>
             </a:r>
           </a:p>
@@ -1109,7 +1109,7 @@
             <a:fld id="{5586B75A-687E-405C-8A0B-8D00578BA2C3}" type="datetimeFigureOut">
               <a:rPr lang="en-US" dirty="0"/>
               <a:pPr/>
-              <a:t>12/4/16</a:t>
+              <a:t>12/5/2016</a:t>
             </a:fld>
             <a:endParaRPr lang="en-US" dirty="0"/>
           </a:p>
@@ -1199,7 +1199,7 @@
           <a:lstStyle/>
           <a:p>
             <a:r>
-              <a:rPr lang="en-US" smtClean="0"/>
+              <a:rPr lang="en-US"/>
               <a:t>Click to edit Master title style</a:t>
             </a:r>
             <a:endParaRPr lang="en-US" dirty="0"/>
@@ -1256,35 +1256,35 @@
           <a:p>
             <a:pPr lvl="0"/>
             <a:r>
-              <a:rPr lang="en-US" smtClean="0"/>
+              <a:rPr lang="en-US"/>
               <a:t>Click to edit Master text styles</a:t>
             </a:r>
           </a:p>
           <a:p>
             <a:pPr lvl="1"/>
             <a:r>
-              <a:rPr lang="en-US" smtClean="0"/>
+              <a:rPr lang="en-US"/>
               <a:t>Second level</a:t>
             </a:r>
           </a:p>
           <a:p>
             <a:pPr lvl="2"/>
             <a:r>
-              <a:rPr lang="en-US" smtClean="0"/>
+              <a:rPr lang="en-US"/>
               <a:t>Third level</a:t>
             </a:r>
           </a:p>
           <a:p>
             <a:pPr lvl="3"/>
             <a:r>
-              <a:rPr lang="en-US" smtClean="0"/>
+              <a:rPr lang="en-US"/>
               <a:t>Fourth level</a:t>
             </a:r>
           </a:p>
           <a:p>
             <a:pPr lvl="4"/>
             <a:r>
-              <a:rPr lang="en-US" smtClean="0"/>
+              <a:rPr lang="en-US"/>
               <a:t>Fifth level</a:t>
             </a:r>
             <a:endParaRPr lang="en-US" dirty="0"/>
@@ -1341,35 +1341,35 @@
           <a:p>
             <a:pPr lvl="0"/>
             <a:r>
-              <a:rPr lang="en-US" smtClean="0"/>
+              <a:rPr lang="en-US"/>
               <a:t>Click to edit Master text styles</a:t>
             </a:r>
           </a:p>
           <a:p>
             <a:pPr lvl="1"/>
             <a:r>
-              <a:rPr lang="en-US" smtClean="0"/>
+              <a:rPr lang="en-US"/>
               <a:t>Second level</a:t>
             </a:r>
           </a:p>
           <a:p>
             <a:pPr lvl="2"/>
             <a:r>
-              <a:rPr lang="en-US" smtClean="0"/>
+              <a:rPr lang="en-US"/>
               <a:t>Third level</a:t>
             </a:r>
           </a:p>
           <a:p>
             <a:pPr lvl="3"/>
             <a:r>
-              <a:rPr lang="en-US" smtClean="0"/>
+              <a:rPr lang="en-US"/>
               <a:t>Fourth level</a:t>
             </a:r>
           </a:p>
           <a:p>
             <a:pPr lvl="4"/>
             <a:r>
-              <a:rPr lang="en-US" smtClean="0"/>
+              <a:rPr lang="en-US"/>
               <a:t>Fifth level</a:t>
             </a:r>
             <a:endParaRPr lang="en-US" dirty="0"/>
@@ -1394,7 +1394,7 @@
             <a:fld id="{5586B75A-687E-405C-8A0B-8D00578BA2C3}" type="datetimeFigureOut">
               <a:rPr lang="en-US" dirty="0"/>
               <a:pPr/>
-              <a:t>12/4/16</a:t>
+              <a:t>12/5/2016</a:t>
             </a:fld>
             <a:endParaRPr lang="en-US" dirty="0"/>
           </a:p>
@@ -1484,7 +1484,7 @@
           <a:lstStyle/>
           <a:p>
             <a:r>
-              <a:rPr lang="en-US" smtClean="0"/>
+              <a:rPr lang="en-US"/>
               <a:t>Click to edit Master title style</a:t>
             </a:r>
             <a:endParaRPr lang="en-US" dirty="0"/>
@@ -1562,7 +1562,7 @@
           <a:p>
             <a:pPr lvl="0"/>
             <a:r>
-              <a:rPr lang="en-US" smtClean="0"/>
+              <a:rPr lang="en-US"/>
               <a:t>Click to edit Master text styles</a:t>
             </a:r>
           </a:p>
@@ -1618,35 +1618,35 @@
           <a:p>
             <a:pPr lvl="0"/>
             <a:r>
-              <a:rPr lang="en-US" smtClean="0"/>
+              <a:rPr lang="en-US"/>
               <a:t>Click to edit Master text styles</a:t>
             </a:r>
           </a:p>
           <a:p>
             <a:pPr lvl="1"/>
             <a:r>
-              <a:rPr lang="en-US" smtClean="0"/>
+              <a:rPr lang="en-US"/>
               <a:t>Second level</a:t>
             </a:r>
           </a:p>
           <a:p>
             <a:pPr lvl="2"/>
             <a:r>
-              <a:rPr lang="en-US" smtClean="0"/>
+              <a:rPr lang="en-US"/>
               <a:t>Third level</a:t>
             </a:r>
           </a:p>
           <a:p>
             <a:pPr lvl="3"/>
             <a:r>
-              <a:rPr lang="en-US" smtClean="0"/>
+              <a:rPr lang="en-US"/>
               <a:t>Fourth level</a:t>
             </a:r>
           </a:p>
           <a:p>
             <a:pPr lvl="4"/>
             <a:r>
-              <a:rPr lang="en-US" smtClean="0"/>
+              <a:rPr lang="en-US"/>
               <a:t>Fifth level</a:t>
             </a:r>
             <a:endParaRPr lang="en-US" dirty="0"/>
@@ -1724,7 +1724,7 @@
           <a:p>
             <a:pPr lvl="0"/>
             <a:r>
-              <a:rPr lang="en-US" smtClean="0"/>
+              <a:rPr lang="en-US"/>
               <a:t>Click to edit Master text styles</a:t>
             </a:r>
           </a:p>
@@ -1780,35 +1780,35 @@
           <a:p>
             <a:pPr lvl="0"/>
             <a:r>
-              <a:rPr lang="en-US" smtClean="0"/>
+              <a:rPr lang="en-US"/>
               <a:t>Click to edit Master text styles</a:t>
             </a:r>
           </a:p>
           <a:p>
             <a:pPr lvl="1"/>
             <a:r>
-              <a:rPr lang="en-US" smtClean="0"/>
+              <a:rPr lang="en-US"/>
               <a:t>Second level</a:t>
             </a:r>
           </a:p>
           <a:p>
             <a:pPr lvl="2"/>
             <a:r>
-              <a:rPr lang="en-US" smtClean="0"/>
+              <a:rPr lang="en-US"/>
               <a:t>Third level</a:t>
             </a:r>
           </a:p>
           <a:p>
             <a:pPr lvl="3"/>
             <a:r>
-              <a:rPr lang="en-US" smtClean="0"/>
+              <a:rPr lang="en-US"/>
               <a:t>Fourth level</a:t>
             </a:r>
           </a:p>
           <a:p>
             <a:pPr lvl="4"/>
             <a:r>
-              <a:rPr lang="en-US" smtClean="0"/>
+              <a:rPr lang="en-US"/>
               <a:t>Fifth level</a:t>
             </a:r>
             <a:endParaRPr lang="en-US" dirty="0"/>
@@ -1833,7 +1833,7 @@
             <a:fld id="{5586B75A-687E-405C-8A0B-8D00578BA2C3}" type="datetimeFigureOut">
               <a:rPr lang="en-US" dirty="0"/>
               <a:pPr/>
-              <a:t>12/4/16</a:t>
+              <a:t>12/5/2016</a:t>
             </a:fld>
             <a:endParaRPr lang="en-US" dirty="0"/>
           </a:p>
@@ -1923,7 +1923,7 @@
           <a:lstStyle/>
           <a:p>
             <a:r>
-              <a:rPr lang="en-US" smtClean="0"/>
+              <a:rPr lang="en-US"/>
               <a:t>Click to edit Master title style</a:t>
             </a:r>
             <a:endParaRPr lang="en-US" dirty="0"/>
@@ -1948,7 +1948,7 @@
             <a:fld id="{5586B75A-687E-405C-8A0B-8D00578BA2C3}" type="datetimeFigureOut">
               <a:rPr lang="en-US" dirty="0"/>
               <a:pPr/>
-              <a:t>12/4/16</a:t>
+              <a:t>12/5/2016</a:t>
             </a:fld>
             <a:endParaRPr lang="en-US" dirty="0"/>
           </a:p>
@@ -2040,7 +2040,7 @@
             <a:fld id="{5586B75A-687E-405C-8A0B-8D00578BA2C3}" type="datetimeFigureOut">
               <a:rPr lang="en-US" dirty="0"/>
               <a:pPr/>
-              <a:t>12/4/16</a:t>
+              <a:t>12/5/2016</a:t>
             </a:fld>
             <a:endParaRPr lang="en-US" dirty="0"/>
           </a:p>
@@ -2141,7 +2141,7 @@
           </a:lstStyle>
           <a:p>
             <a:r>
-              <a:rPr lang="en-US" smtClean="0"/>
+              <a:rPr lang="en-US"/>
               <a:t>Click to edit Master title style</a:t>
             </a:r>
             <a:endParaRPr lang="en-US" dirty="0"/>
@@ -2198,35 +2198,35 @@
           <a:p>
             <a:pPr lvl="0"/>
             <a:r>
-              <a:rPr lang="en-US" smtClean="0"/>
+              <a:rPr lang="en-US"/>
               <a:t>Click to edit Master text styles</a:t>
             </a:r>
           </a:p>
           <a:p>
             <a:pPr lvl="1"/>
             <a:r>
-              <a:rPr lang="en-US" smtClean="0"/>
+              <a:rPr lang="en-US"/>
               <a:t>Second level</a:t>
             </a:r>
           </a:p>
           <a:p>
             <a:pPr lvl="2"/>
             <a:r>
-              <a:rPr lang="en-US" smtClean="0"/>
+              <a:rPr lang="en-US"/>
               <a:t>Third level</a:t>
             </a:r>
           </a:p>
           <a:p>
             <a:pPr lvl="3"/>
             <a:r>
-              <a:rPr lang="en-US" smtClean="0"/>
+              <a:rPr lang="en-US"/>
               <a:t>Fourth level</a:t>
             </a:r>
           </a:p>
           <a:p>
             <a:pPr lvl="4"/>
             <a:r>
-              <a:rPr lang="en-US" smtClean="0"/>
+              <a:rPr lang="en-US"/>
               <a:t>Fifth level</a:t>
             </a:r>
             <a:endParaRPr lang="en-US" dirty="0"/>
@@ -2301,7 +2301,7 @@
           <a:p>
             <a:pPr lvl="0"/>
             <a:r>
-              <a:rPr lang="en-US" smtClean="0"/>
+              <a:rPr lang="en-US"/>
               <a:t>Click to edit Master text styles</a:t>
             </a:r>
           </a:p>
@@ -2325,7 +2325,7 @@
             <a:fld id="{5586B75A-687E-405C-8A0B-8D00578BA2C3}" type="datetimeFigureOut">
               <a:rPr lang="en-US" dirty="0"/>
               <a:pPr/>
-              <a:t>12/4/16</a:t>
+              <a:t>12/5/2016</a:t>
             </a:fld>
             <a:endParaRPr lang="en-US" dirty="0"/>
           </a:p>
@@ -2426,7 +2426,7 @@
           </a:lstStyle>
           <a:p>
             <a:r>
-              <a:rPr lang="en-US" smtClean="0"/>
+              <a:rPr lang="en-US"/>
               <a:t>Click to edit Master title style</a:t>
             </a:r>
             <a:endParaRPr lang="en-US" dirty="0"/>
@@ -2496,10 +2496,9 @@
           </a:lstStyle>
           <a:p>
             <a:r>
-              <a:rPr lang="en-US" smtClean="0"/>
+              <a:rPr lang="en-US" dirty="0"/>
               <a:t>Drag picture to placeholder or click icon to add</a:t>
             </a:r>
-            <a:endParaRPr lang="en-US" dirty="0"/>
           </a:p>
         </p:txBody>
       </p:sp>
@@ -2571,7 +2570,7 @@
           <a:p>
             <a:pPr lvl="0"/>
             <a:r>
-              <a:rPr lang="en-US" smtClean="0"/>
+              <a:rPr lang="en-US"/>
               <a:t>Click to edit Master text styles</a:t>
             </a:r>
           </a:p>
@@ -2595,7 +2594,7 @@
             <a:fld id="{5586B75A-687E-405C-8A0B-8D00578BA2C3}" type="datetimeFigureOut">
               <a:rPr lang="en-US" dirty="0"/>
               <a:pPr/>
-              <a:t>12/4/16</a:t>
+              <a:t>12/5/2016</a:t>
             </a:fld>
             <a:endParaRPr lang="en-US" dirty="0"/>
           </a:p>
@@ -2743,7 +2742,7 @@
           <a:lstStyle/>
           <a:p>
             <a:r>
-              <a:rPr lang="en-US" smtClean="0"/>
+              <a:rPr lang="en-US"/>
               <a:t>Click to edit Master title style</a:t>
             </a:r>
             <a:endParaRPr lang="en-US" dirty="0"/>
@@ -2817,35 +2816,35 @@
           <a:p>
             <a:pPr lvl="0"/>
             <a:r>
-              <a:rPr lang="en-US" smtClean="0"/>
+              <a:rPr lang="en-US"/>
               <a:t>Click to edit Master text styles</a:t>
             </a:r>
           </a:p>
           <a:p>
             <a:pPr lvl="1"/>
             <a:r>
-              <a:rPr lang="en-US" smtClean="0"/>
+              <a:rPr lang="en-US"/>
               <a:t>Second level</a:t>
             </a:r>
           </a:p>
           <a:p>
             <a:pPr lvl="2"/>
             <a:r>
-              <a:rPr lang="en-US" smtClean="0"/>
+              <a:rPr lang="en-US"/>
               <a:t>Third level</a:t>
             </a:r>
           </a:p>
           <a:p>
             <a:pPr lvl="3"/>
             <a:r>
-              <a:rPr lang="en-US" smtClean="0"/>
+              <a:rPr lang="en-US"/>
               <a:t>Fourth level</a:t>
             </a:r>
           </a:p>
           <a:p>
             <a:pPr lvl="4"/>
             <a:r>
-              <a:rPr lang="en-US" smtClean="0"/>
+              <a:rPr lang="en-US"/>
               <a:t>Fifth level</a:t>
             </a:r>
             <a:endParaRPr lang="en-US" dirty="0"/>
@@ -2889,7 +2888,7 @@
             <a:fld id="{5586B75A-687E-405C-8A0B-8D00578BA2C3}" type="datetimeFigureOut">
               <a:rPr lang="en-US" dirty="0"/>
               <a:pPr/>
-              <a:t>12/4/16</a:t>
+              <a:t>12/5/2016</a:t>
             </a:fld>
             <a:endParaRPr lang="en-US" dirty="0"/>
           </a:p>
@@ -3384,10 +3383,9 @@
           <a:lstStyle/>
           <a:p>
             <a:r>
-              <a:rPr lang="en-GB" dirty="0" smtClean="0"/>
+              <a:rPr lang="en-GB" dirty="0"/>
               <a:t>Task Master App Design</a:t>
             </a:r>
-            <a:endParaRPr lang="en-GB" dirty="0"/>
           </a:p>
         </p:txBody>
       </p:sp>
@@ -3407,16 +3405,15 @@
           <a:lstStyle/>
           <a:p>
             <a:r>
-              <a:rPr lang="en-GB" dirty="0" smtClean="0"/>
+              <a:rPr lang="en-GB" dirty="0"/>
               <a:t>Alexander Davis</a:t>
             </a:r>
           </a:p>
           <a:p>
             <a:r>
-              <a:rPr lang="en-GB" dirty="0" smtClean="0"/>
+              <a:rPr lang="en-GB" dirty="0"/>
               <a:t>S14110259</a:t>
             </a:r>
-            <a:endParaRPr lang="en-GB" dirty="0"/>
           </a:p>
         </p:txBody>
       </p:sp>
@@ -3466,10 +3463,9 @@
           <a:lstStyle/>
           <a:p>
             <a:r>
-              <a:rPr lang="en-GB" dirty="0" smtClean="0"/>
+              <a:rPr lang="en-GB" dirty="0"/>
               <a:t>Introduction</a:t>
             </a:r>
-            <a:endParaRPr lang="en-GB" dirty="0"/>
           </a:p>
         </p:txBody>
       </p:sp>
@@ -3489,49 +3485,35 @@
           <a:lstStyle/>
           <a:p>
             <a:r>
-              <a:rPr lang="en-GB" dirty="0" smtClean="0"/>
-              <a:t>The aim is to create a mobile version of Task Master, an online application that allowed </a:t>
-            </a:r>
-            <a:r>
-              <a:rPr lang="en-GB" dirty="0" smtClean="0"/>
-              <a:t>businesses to create and manage projects and tasks</a:t>
-            </a:r>
-          </a:p>
-          <a:p>
-            <a:r>
-              <a:rPr lang="en-GB" dirty="0" smtClean="0"/>
-              <a:t>Task Master was originally created at </a:t>
-            </a:r>
-            <a:r>
-              <a:rPr lang="en-GB" dirty="0" err="1" smtClean="0"/>
-              <a:t>BrumHack</a:t>
-            </a:r>
-            <a:r>
-              <a:rPr lang="en-GB" dirty="0" smtClean="0"/>
-              <a:t> 5.0 and came 3</a:t>
-            </a:r>
-            <a:r>
-              <a:rPr lang="en-GB" baseline="30000" dirty="0" smtClean="0"/>
+              <a:rPr lang="en-GB" dirty="0"/>
+              <a:t>The aim is to create a mobile version of Task Master, an online application that allowed businesses to create and manage projects and tasks</a:t>
+            </a:r>
+          </a:p>
+          <a:p>
+            <a:r>
+              <a:rPr lang="en-GB" dirty="0"/>
+              <a:t>Task Master was originally created at BrumHack 5.0 and came 3</a:t>
+            </a:r>
+            <a:r>
+              <a:rPr lang="en-GB" baseline="30000" dirty="0"/>
               <a:t>rd</a:t>
             </a:r>
             <a:r>
-              <a:rPr lang="en-GB" dirty="0" smtClean="0"/>
+              <a:rPr lang="en-GB" dirty="0"/>
               <a:t> in the competition.</a:t>
             </a:r>
-            <a:endParaRPr lang="en-GB" dirty="0" smtClean="0"/>
-          </a:p>
-          <a:p>
-            <a:r>
-              <a:rPr lang="en-GB" dirty="0" smtClean="0"/>
+          </a:p>
+          <a:p>
+            <a:r>
+              <a:rPr lang="en-GB" dirty="0"/>
               <a:t>Users will be able to create, update and track tasks within a specified project.</a:t>
             </a:r>
           </a:p>
           <a:p>
             <a:r>
-              <a:rPr lang="en-GB" dirty="0" smtClean="0"/>
+              <a:rPr lang="en-GB" dirty="0"/>
               <a:t>Users will also be able to delegate tasks to other users on the apps database</a:t>
             </a:r>
-            <a:endParaRPr lang="en-GB" dirty="0"/>
           </a:p>
         </p:txBody>
       </p:sp>
@@ -3581,10 +3563,9 @@
           <a:lstStyle/>
           <a:p>
             <a:r>
-              <a:rPr lang="en-GB" dirty="0" smtClean="0"/>
+              <a:rPr lang="en-GB" dirty="0"/>
               <a:t>App Features</a:t>
             </a:r>
-            <a:endParaRPr lang="en-GB" dirty="0"/>
           </a:p>
         </p:txBody>
       </p:sp>
@@ -3604,57 +3585,42 @@
           <a:lstStyle/>
           <a:p>
             <a:r>
-              <a:rPr lang="en-GB" dirty="0" smtClean="0"/>
-              <a:t>Web </a:t>
-            </a:r>
-            <a:r>
-              <a:rPr lang="en-GB" dirty="0" smtClean="0"/>
-              <a:t>Services</a:t>
+              <a:rPr lang="en-GB" dirty="0"/>
+              <a:t>Web Services</a:t>
             </a:r>
           </a:p>
           <a:p>
             <a:pPr lvl="1"/>
             <a:r>
-              <a:rPr lang="en-GB" dirty="0" smtClean="0"/>
+              <a:rPr lang="en-GB" dirty="0"/>
               <a:t>Users should be able to view, add and update tasks within the app regardless of their location using MongoDB and a mobile internet connection.</a:t>
             </a:r>
-            <a:endParaRPr lang="en-GB" dirty="0" smtClean="0"/>
-          </a:p>
-          <a:p>
-            <a:r>
-              <a:rPr lang="en-GB" dirty="0" smtClean="0"/>
-              <a:t>Data </a:t>
-            </a:r>
-            <a:r>
-              <a:rPr lang="en-GB" dirty="0" smtClean="0"/>
-              <a:t>Persistence</a:t>
+          </a:p>
+          <a:p>
+            <a:r>
+              <a:rPr lang="en-GB" dirty="0"/>
+              <a:t>Data Persistence</a:t>
             </a:r>
           </a:p>
           <a:p>
             <a:pPr lvl="1"/>
             <a:r>
-              <a:rPr lang="en-GB" dirty="0" smtClean="0"/>
+              <a:rPr lang="en-GB" dirty="0"/>
               <a:t>The app should be able to synchronise with the online service so that the user does not have to be connected to the service all the time.</a:t>
             </a:r>
-            <a:endParaRPr lang="en-GB" dirty="0" smtClean="0"/>
-          </a:p>
-          <a:p>
-            <a:r>
-              <a:rPr lang="en-GB" dirty="0" smtClean="0"/>
-              <a:t>Location </a:t>
-            </a:r>
-            <a:r>
-              <a:rPr lang="en-GB" dirty="0" smtClean="0"/>
-              <a:t>Services</a:t>
+          </a:p>
+          <a:p>
+            <a:r>
+              <a:rPr lang="en-GB" dirty="0"/>
+              <a:t>Location Services</a:t>
             </a:r>
           </a:p>
           <a:p>
             <a:pPr lvl="1"/>
             <a:r>
-              <a:rPr lang="en-GB" dirty="0" smtClean="0"/>
+              <a:rPr lang="en-GB" dirty="0"/>
               <a:t>Location services would be used to alert the user when they enter a geo-fence. This geo-fence would be used for a location specific task</a:t>
             </a:r>
-            <a:endParaRPr lang="en-GB" dirty="0" smtClean="0"/>
           </a:p>
         </p:txBody>
       </p:sp>
@@ -3704,32 +3670,38 @@
           <a:lstStyle/>
           <a:p>
             <a:r>
-              <a:rPr lang="en-GB" dirty="0" smtClean="0"/>
-              <a:t>App Requirements</a:t>
-            </a:r>
-            <a:endParaRPr lang="en-GB" dirty="0"/>
-          </a:p>
-        </p:txBody>
-      </p:sp>
-      <p:sp>
-        <p:nvSpPr>
-          <p:cNvPr id="3" name="Content Placeholder 2"/>
-          <p:cNvSpPr>
-            <a:spLocks noGrp="1"/>
-          </p:cNvSpPr>
+              <a:rPr lang="en-GB" dirty="0"/>
+              <a:t>App Requirements – Use Case Diagram</a:t>
+            </a:r>
+          </a:p>
+        </p:txBody>
+      </p:sp>
+      <p:pic>
+        <p:nvPicPr>
+          <p:cNvPr id="6" name="Content Placeholder 5"/>
+          <p:cNvPicPr>
+            <a:picLocks noGrp="1" noChangeAspect="1"/>
+          </p:cNvPicPr>
           <p:nvPr>
             <p:ph idx="1"/>
           </p:nvPr>
-        </p:nvSpPr>
-        <p:spPr/>
-        <p:txBody>
-          <a:bodyPr/>
-          <a:lstStyle/>
-          <a:p>
-            <a:endParaRPr lang="en-GB"/>
-          </a:p>
-        </p:txBody>
-      </p:sp>
+        </p:nvPicPr>
+        <p:blipFill>
+          <a:blip r:embed="rId2"/>
+          <a:stretch>
+            <a:fillRect/>
+          </a:stretch>
+        </p:blipFill>
+        <p:spPr>
+          <a:xfrm>
+            <a:off x="3868738" y="2021561"/>
+            <a:ext cx="7315200" cy="2805352"/>
+          </a:xfrm>
+          <a:prstGeom prst="rect">
+            <a:avLst/>
+          </a:prstGeom>
+        </p:spPr>
+      </p:pic>
     </p:spTree>
     <p:extLst>
       <p:ext uri="{BB962C8B-B14F-4D97-AF65-F5344CB8AC3E}">
@@ -3776,32 +3748,38 @@
           <a:lstStyle/>
           <a:p>
             <a:r>
-              <a:rPr lang="en-GB" dirty="0" smtClean="0"/>
-              <a:t>App Design</a:t>
-            </a:r>
-            <a:endParaRPr lang="en-GB" dirty="0"/>
-          </a:p>
-        </p:txBody>
-      </p:sp>
-      <p:sp>
-        <p:nvSpPr>
-          <p:cNvPr id="3" name="Content Placeholder 2"/>
-          <p:cNvSpPr>
-            <a:spLocks noGrp="1"/>
-          </p:cNvSpPr>
+              <a:rPr lang="en-GB" dirty="0"/>
+              <a:t>App Design – Class Design</a:t>
+            </a:r>
+          </a:p>
+        </p:txBody>
+      </p:sp>
+      <p:pic>
+        <p:nvPicPr>
+          <p:cNvPr id="4" name="Content Placeholder 3"/>
+          <p:cNvPicPr>
+            <a:picLocks noGrp="1" noChangeAspect="1"/>
+          </p:cNvPicPr>
           <p:nvPr>
             <p:ph idx="1"/>
           </p:nvPr>
-        </p:nvSpPr>
-        <p:spPr/>
-        <p:txBody>
-          <a:bodyPr/>
-          <a:lstStyle/>
-          <a:p>
-            <a:endParaRPr lang="en-GB" dirty="0"/>
-          </a:p>
-        </p:txBody>
-      </p:sp>
+        </p:nvPicPr>
+        <p:blipFill>
+          <a:blip r:embed="rId2"/>
+          <a:stretch>
+            <a:fillRect/>
+          </a:stretch>
+        </p:blipFill>
+        <p:spPr>
+          <a:xfrm>
+            <a:off x="4603039" y="1804337"/>
+            <a:ext cx="5846597" cy="3239800"/>
+          </a:xfrm>
+          <a:prstGeom prst="rect">
+            <a:avLst/>
+          </a:prstGeom>
+        </p:spPr>
+      </p:pic>
     </p:spTree>
     <p:extLst>
       <p:ext uri="{BB962C8B-B14F-4D97-AF65-F5344CB8AC3E}">
@@ -3848,10 +3826,9 @@
           <a:lstStyle/>
           <a:p>
             <a:r>
-              <a:rPr lang="en-GB" dirty="0" smtClean="0"/>
+              <a:rPr lang="en-GB" dirty="0"/>
               <a:t>App Architecture</a:t>
             </a:r>
-            <a:endParaRPr lang="en-GB" dirty="0"/>
           </a:p>
         </p:txBody>
       </p:sp>
@@ -3871,36 +3848,27 @@
           <a:lstStyle/>
           <a:p>
             <a:r>
-              <a:rPr lang="en-GB" dirty="0" smtClean="0"/>
-              <a:t>Data </a:t>
-            </a:r>
-            <a:r>
-              <a:rPr lang="en-GB" dirty="0" smtClean="0"/>
-              <a:t>Sources</a:t>
+              <a:rPr lang="en-GB" dirty="0"/>
+              <a:t>Data Sources</a:t>
             </a:r>
           </a:p>
           <a:p>
             <a:pPr lvl="1"/>
             <a:r>
-              <a:rPr lang="en-GB" dirty="0" smtClean="0"/>
+              <a:rPr lang="en-GB" dirty="0"/>
               <a:t>Task Master will use a MongoDB database to store all the information. It may in future integrate with other services such as G Suite or Office 365 to allow a login system.</a:t>
             </a:r>
-            <a:endParaRPr lang="en-GB" dirty="0" smtClean="0"/>
-          </a:p>
-          <a:p>
-            <a:r>
-              <a:rPr lang="en-GB" dirty="0" smtClean="0"/>
-              <a:t>Design </a:t>
-            </a:r>
-            <a:r>
-              <a:rPr lang="en-GB" dirty="0" smtClean="0"/>
-              <a:t>Patterns</a:t>
+          </a:p>
+          <a:p>
+            <a:r>
+              <a:rPr lang="en-GB" dirty="0"/>
+              <a:t>Design Patterns</a:t>
             </a:r>
           </a:p>
           <a:p>
             <a:pPr lvl="1"/>
             <a:r>
-              <a:rPr lang="en-GB" dirty="0" smtClean="0"/>
+              <a:rPr lang="en-GB" dirty="0"/>
               <a:t>MVC will be used within the app. There will be around 5 view controllers (Task List, Task View, Add Task, Project View etc.)</a:t>
             </a:r>
           </a:p>
@@ -3952,10 +3920,9 @@
           <a:lstStyle/>
           <a:p>
             <a:r>
-              <a:rPr lang="en-GB" dirty="0" smtClean="0"/>
+              <a:rPr lang="en-GB" dirty="0"/>
               <a:t>Conclusion and Challenges</a:t>
             </a:r>
-            <a:endParaRPr lang="en-GB" dirty="0"/>
           </a:p>
         </p:txBody>
       </p:sp>
@@ -3975,22 +3942,21 @@
           <a:lstStyle/>
           <a:p>
             <a:r>
-              <a:rPr lang="en-GB" dirty="0" smtClean="0"/>
+              <a:rPr lang="en-GB" dirty="0"/>
               <a:t>The creation of location based tasks will be challenging as GPS services can be inadequate to create or use geo-fences</a:t>
             </a:r>
           </a:p>
           <a:p>
             <a:r>
-              <a:rPr lang="en-GB" dirty="0" smtClean="0"/>
+              <a:rPr lang="en-GB" dirty="0"/>
               <a:t>Synchronisation between the device and web services may create issues with tasks not being updated correctly or even possible sync conflicts.</a:t>
             </a:r>
           </a:p>
           <a:p>
             <a:r>
-              <a:rPr lang="en-GB" dirty="0" smtClean="0"/>
+              <a:rPr lang="en-GB" dirty="0"/>
               <a:t>Creation of a secure login system that will allow the user to have user specific tasks within a given project and the ability to delegate tasks to other users.</a:t>
             </a:r>
-            <a:endParaRPr lang="en-GB" dirty="0"/>
           </a:p>
         </p:txBody>
       </p:sp>
